--- a/public/ver_2a/Stimuli/Paul_Instructions.pptx
+++ b/public/ver_2a/Stimuli/Paul_Instructions.pptx
@@ -117,7 +117,7 @@
   </p:defaultTextStyle>
   <p:extLst>
     <p:ext uri="{EFAFB233-063F-42B5-8137-9DF3F51BA10A}">
-      <p15:sldGuideLst xmlns:p15="http://schemas.microsoft.com/office/powerpoint/2012/main">
+      <p15:sldGuideLst xmlns:p15="http://schemas.microsoft.com/office/powerpoint/2012/main" xmlns="">
         <p15:guide id="1" orient="horz" pos="1395">
           <p15:clr>
             <a:srgbClr val="A4A3A4"/>
@@ -216,7 +216,7 @@
           <a:p>
             <a:fld id="{3192A44D-4A7C-7F48-9549-99DB465B055C}" type="datetimeFigureOut">
               <a:rPr lang="en-US" smtClean="0"/>
-              <a:t>8/25/2020</a:t>
+              <a:t>9/4/20</a:t>
             </a:fld>
             <a:endParaRPr lang="en-US"/>
           </a:p>
@@ -746,7 +746,7 @@
           <a:p>
             <a:fld id="{BB31085E-388F-BE40-B147-0BFB91CD71E7}" type="datetimeFigureOut">
               <a:rPr lang="en-US" smtClean="0"/>
-              <a:t>8/25/2020</a:t>
+              <a:t>9/4/20</a:t>
             </a:fld>
             <a:endParaRPr lang="en-US"/>
           </a:p>
@@ -914,7 +914,7 @@
           <a:p>
             <a:fld id="{BB31085E-388F-BE40-B147-0BFB91CD71E7}" type="datetimeFigureOut">
               <a:rPr lang="en-US" smtClean="0"/>
-              <a:t>8/25/2020</a:t>
+              <a:t>9/4/20</a:t>
             </a:fld>
             <a:endParaRPr lang="en-US"/>
           </a:p>
@@ -1092,7 +1092,7 @@
           <a:p>
             <a:fld id="{BB31085E-388F-BE40-B147-0BFB91CD71E7}" type="datetimeFigureOut">
               <a:rPr lang="en-US" smtClean="0"/>
-              <a:t>8/25/2020</a:t>
+              <a:t>9/4/20</a:t>
             </a:fld>
             <a:endParaRPr lang="en-US"/>
           </a:p>
@@ -1260,7 +1260,7 @@
           <a:p>
             <a:fld id="{BB31085E-388F-BE40-B147-0BFB91CD71E7}" type="datetimeFigureOut">
               <a:rPr lang="en-US" smtClean="0"/>
-              <a:t>8/25/2020</a:t>
+              <a:t>9/4/20</a:t>
             </a:fld>
             <a:endParaRPr lang="en-US"/>
           </a:p>
@@ -1505,7 +1505,7 @@
           <a:p>
             <a:fld id="{BB31085E-388F-BE40-B147-0BFB91CD71E7}" type="datetimeFigureOut">
               <a:rPr lang="en-US" smtClean="0"/>
-              <a:t>8/25/2020</a:t>
+              <a:t>9/4/20</a:t>
             </a:fld>
             <a:endParaRPr lang="en-US"/>
           </a:p>
@@ -1790,7 +1790,7 @@
           <a:p>
             <a:fld id="{BB31085E-388F-BE40-B147-0BFB91CD71E7}" type="datetimeFigureOut">
               <a:rPr lang="en-US" smtClean="0"/>
-              <a:t>8/25/2020</a:t>
+              <a:t>9/4/20</a:t>
             </a:fld>
             <a:endParaRPr lang="en-US"/>
           </a:p>
@@ -2209,7 +2209,7 @@
           <a:p>
             <a:fld id="{BB31085E-388F-BE40-B147-0BFB91CD71E7}" type="datetimeFigureOut">
               <a:rPr lang="en-US" smtClean="0"/>
-              <a:t>8/25/2020</a:t>
+              <a:t>9/4/20</a:t>
             </a:fld>
             <a:endParaRPr lang="en-US"/>
           </a:p>
@@ -2326,7 +2326,7 @@
           <a:p>
             <a:fld id="{BB31085E-388F-BE40-B147-0BFB91CD71E7}" type="datetimeFigureOut">
               <a:rPr lang="en-US" smtClean="0"/>
-              <a:t>8/25/2020</a:t>
+              <a:t>9/4/20</a:t>
             </a:fld>
             <a:endParaRPr lang="en-US"/>
           </a:p>
@@ -2421,7 +2421,7 @@
           <a:p>
             <a:fld id="{BB31085E-388F-BE40-B147-0BFB91CD71E7}" type="datetimeFigureOut">
               <a:rPr lang="en-US" smtClean="0"/>
-              <a:t>8/25/2020</a:t>
+              <a:t>9/4/20</a:t>
             </a:fld>
             <a:endParaRPr lang="en-US"/>
           </a:p>
@@ -2696,7 +2696,7 @@
           <a:p>
             <a:fld id="{BB31085E-388F-BE40-B147-0BFB91CD71E7}" type="datetimeFigureOut">
               <a:rPr lang="en-US" smtClean="0"/>
-              <a:t>8/25/2020</a:t>
+              <a:t>9/4/20</a:t>
             </a:fld>
             <a:endParaRPr lang="en-US"/>
           </a:p>
@@ -2948,7 +2948,7 @@
           <a:p>
             <a:fld id="{BB31085E-388F-BE40-B147-0BFB91CD71E7}" type="datetimeFigureOut">
               <a:rPr lang="en-US" smtClean="0"/>
-              <a:t>8/25/2020</a:t>
+              <a:t>9/4/20</a:t>
             </a:fld>
             <a:endParaRPr lang="en-US"/>
           </a:p>
@@ -3159,7 +3159,7 @@
           <a:p>
             <a:fld id="{BB31085E-388F-BE40-B147-0BFB91CD71E7}" type="datetimeFigureOut">
               <a:rPr lang="en-US" smtClean="0"/>
-              <a:t>8/25/2020</a:t>
+              <a:t>9/4/20</a:t>
             </a:fld>
             <a:endParaRPr lang="en-US"/>
           </a:p>
@@ -3550,9 +3550,14 @@
           <a:lstStyle/>
           <a:p>
             <a:r>
-              <a:rPr lang="en-US" dirty="0"/>
-              <a:t>Welcome to the experiment. </a:t>
-            </a:r>
+              <a:rPr lang="en-US" dirty="0" smtClean="0"/>
+              <a:t>We’ll now start the </a:t>
+            </a:r>
+            <a:r>
+              <a:rPr lang="en-US" smtClean="0"/>
+              <a:t>main task.</a:t>
+            </a:r>
+            <a:endParaRPr lang="en-US" dirty="0"/>
           </a:p>
           <a:p>
             <a:r>
@@ -3902,7 +3907,7 @@
           <p:cNvPr id="11" name="Picture 10" descr="fractal_C.png">
             <a:extLst>
               <a:ext uri="{FF2B5EF4-FFF2-40B4-BE49-F238E27FC236}">
-                <a16:creationId xmlns:a16="http://schemas.microsoft.com/office/drawing/2014/main" id="{11DE3CB4-A4F9-4EA6-94FE-C91CA1E3F908}"/>
+                <a16:creationId xmlns:a16="http://schemas.microsoft.com/office/drawing/2014/main" xmlns="" id="{11DE3CB4-A4F9-4EA6-94FE-C91CA1E3F908}"/>
               </a:ext>
             </a:extLst>
           </p:cNvPr>
@@ -4256,7 +4261,7 @@
           <p:cNvPr id="11" name="Picture 10" descr="fractal_C.png">
             <a:extLst>
               <a:ext uri="{FF2B5EF4-FFF2-40B4-BE49-F238E27FC236}">
-                <a16:creationId xmlns:a16="http://schemas.microsoft.com/office/drawing/2014/main" id="{5EAAC0A5-6B65-4A15-9FC7-5D51E236A47A}"/>
+                <a16:creationId xmlns:a16="http://schemas.microsoft.com/office/drawing/2014/main" xmlns="" id="{5EAAC0A5-6B65-4A15-9FC7-5D51E236A47A}"/>
               </a:ext>
             </a:extLst>
           </p:cNvPr>
@@ -4392,7 +4397,7 @@
         </p:spPr>
         <p:txBody>
           <a:bodyPr>
-            <a:normAutofit fontScale="92500"/>
+            <a:normAutofit fontScale="92500" lnSpcReduction="10000"/>
           </a:bodyPr>
           <a:lstStyle/>
           <a:p>
@@ -4595,7 +4600,7 @@
           <p:cNvPr id="9" name="Picture 8" descr="fractal_C.png">
             <a:extLst>
               <a:ext uri="{FF2B5EF4-FFF2-40B4-BE49-F238E27FC236}">
-                <a16:creationId xmlns:a16="http://schemas.microsoft.com/office/drawing/2014/main" id="{10BFB705-06B9-4074-A753-D94DFC790762}"/>
+                <a16:creationId xmlns:a16="http://schemas.microsoft.com/office/drawing/2014/main" xmlns="" id="{10BFB705-06B9-4074-A753-D94DFC790762}"/>
               </a:ext>
             </a:extLst>
           </p:cNvPr>
@@ -4856,7 +4861,7 @@
           <p:cNvPr id="8" name="Picture 7" descr="fractal_C.png">
             <a:extLst>
               <a:ext uri="{FF2B5EF4-FFF2-40B4-BE49-F238E27FC236}">
-                <a16:creationId xmlns:a16="http://schemas.microsoft.com/office/drawing/2014/main" id="{62AEA237-4651-4C31-BA8B-10AC0962DB64}"/>
+                <a16:creationId xmlns:a16="http://schemas.microsoft.com/office/drawing/2014/main" xmlns="" id="{62AEA237-4651-4C31-BA8B-10AC0962DB64}"/>
               </a:ext>
             </a:extLst>
           </p:cNvPr>
@@ -5011,7 +5016,7 @@
           <p:cNvPr id="14" name="Rectangle 13">
             <a:extLst>
               <a:ext uri="{FF2B5EF4-FFF2-40B4-BE49-F238E27FC236}">
-                <a16:creationId xmlns:a16="http://schemas.microsoft.com/office/drawing/2014/main" id="{EC273CF3-79E5-4634-BD97-B33C169FF381}"/>
+                <a16:creationId xmlns:a16="http://schemas.microsoft.com/office/drawing/2014/main" xmlns="" id="{EC273CF3-79E5-4634-BD97-B33C169FF381}"/>
               </a:ext>
             </a:extLst>
           </p:cNvPr>
@@ -5061,7 +5066,7 @@
           <p:cNvPr id="15" name="Picture 14" descr="fractal_A.png">
             <a:extLst>
               <a:ext uri="{FF2B5EF4-FFF2-40B4-BE49-F238E27FC236}">
-                <a16:creationId xmlns:a16="http://schemas.microsoft.com/office/drawing/2014/main" id="{6A259A28-31DC-47A1-BABE-82C40036CD52}"/>
+                <a16:creationId xmlns:a16="http://schemas.microsoft.com/office/drawing/2014/main" xmlns="" id="{6A259A28-31DC-47A1-BABE-82C40036CD52}"/>
               </a:ext>
             </a:extLst>
           </p:cNvPr>
@@ -5104,7 +5109,7 @@
           <p:cNvPr id="16" name="Rectangle 15">
             <a:extLst>
               <a:ext uri="{FF2B5EF4-FFF2-40B4-BE49-F238E27FC236}">
-                <a16:creationId xmlns:a16="http://schemas.microsoft.com/office/drawing/2014/main" id="{0205D03F-D15E-45CB-A5F8-0FF438AF9CB7}"/>
+                <a16:creationId xmlns:a16="http://schemas.microsoft.com/office/drawing/2014/main" xmlns="" id="{0205D03F-D15E-45CB-A5F8-0FF438AF9CB7}"/>
               </a:ext>
             </a:extLst>
           </p:cNvPr>
@@ -5142,7 +5147,7 @@
           <p:cNvPr id="17" name="Rectangle 16">
             <a:extLst>
               <a:ext uri="{FF2B5EF4-FFF2-40B4-BE49-F238E27FC236}">
-                <a16:creationId xmlns:a16="http://schemas.microsoft.com/office/drawing/2014/main" id="{5D07889B-41BD-4C92-9BFB-2A0771FB22B2}"/>
+                <a16:creationId xmlns:a16="http://schemas.microsoft.com/office/drawing/2014/main" xmlns="" id="{5D07889B-41BD-4C92-9BFB-2A0771FB22B2}"/>
               </a:ext>
             </a:extLst>
           </p:cNvPr>
@@ -5180,7 +5185,7 @@
           <p:cNvPr id="26" name="Oval 25">
             <a:extLst>
               <a:ext uri="{FF2B5EF4-FFF2-40B4-BE49-F238E27FC236}">
-                <a16:creationId xmlns:a16="http://schemas.microsoft.com/office/drawing/2014/main" id="{D4D91960-D93B-4E12-AA8C-30798BCEDE45}"/>
+                <a16:creationId xmlns:a16="http://schemas.microsoft.com/office/drawing/2014/main" xmlns="" id="{D4D91960-D93B-4E12-AA8C-30798BCEDE45}"/>
               </a:ext>
             </a:extLst>
           </p:cNvPr>
@@ -5231,7 +5236,7 @@
           <p:cNvPr id="27" name="Oval 26">
             <a:extLst>
               <a:ext uri="{FF2B5EF4-FFF2-40B4-BE49-F238E27FC236}">
-                <a16:creationId xmlns:a16="http://schemas.microsoft.com/office/drawing/2014/main" id="{2B0F42C3-69BB-4133-B9DB-D3AD8DECDD21}"/>
+                <a16:creationId xmlns:a16="http://schemas.microsoft.com/office/drawing/2014/main" xmlns="" id="{2B0F42C3-69BB-4133-B9DB-D3AD8DECDD21}"/>
               </a:ext>
             </a:extLst>
           </p:cNvPr>
@@ -5278,7 +5283,7 @@
           <p:cNvPr id="32" name="Picture 31" descr="fractal_C.png">
             <a:extLst>
               <a:ext uri="{FF2B5EF4-FFF2-40B4-BE49-F238E27FC236}">
-                <a16:creationId xmlns:a16="http://schemas.microsoft.com/office/drawing/2014/main" id="{15C39FCE-03F7-44C3-BA56-2779EAA973EC}"/>
+                <a16:creationId xmlns:a16="http://schemas.microsoft.com/office/drawing/2014/main" xmlns="" id="{15C39FCE-03F7-44C3-BA56-2779EAA973EC}"/>
               </a:ext>
             </a:extLst>
           </p:cNvPr>
@@ -5314,7 +5319,7 @@
           <p:cNvPr id="33" name="Rectangle 32">
             <a:extLst>
               <a:ext uri="{FF2B5EF4-FFF2-40B4-BE49-F238E27FC236}">
-                <a16:creationId xmlns:a16="http://schemas.microsoft.com/office/drawing/2014/main" id="{52EC9876-825D-45A4-B0CC-9B8C59035887}"/>
+                <a16:creationId xmlns:a16="http://schemas.microsoft.com/office/drawing/2014/main" xmlns="" id="{52EC9876-825D-45A4-B0CC-9B8C59035887}"/>
               </a:ext>
             </a:extLst>
           </p:cNvPr>
@@ -5774,7 +5779,7 @@
           <p:cNvPr id="13" name="Picture 12" descr="fractal_C.png">
             <a:extLst>
               <a:ext uri="{FF2B5EF4-FFF2-40B4-BE49-F238E27FC236}">
-                <a16:creationId xmlns:a16="http://schemas.microsoft.com/office/drawing/2014/main" id="{6068A893-0410-4538-9DF8-7D394D04F50C}"/>
+                <a16:creationId xmlns:a16="http://schemas.microsoft.com/office/drawing/2014/main" xmlns="" id="{6068A893-0410-4538-9DF8-7D394D04F50C}"/>
               </a:ext>
             </a:extLst>
           </p:cNvPr>
@@ -5810,7 +5815,7 @@
           <p:cNvPr id="14" name="Rectangle 13">
             <a:extLst>
               <a:ext uri="{FF2B5EF4-FFF2-40B4-BE49-F238E27FC236}">
-                <a16:creationId xmlns:a16="http://schemas.microsoft.com/office/drawing/2014/main" id="{A1936CEA-93D6-4DF6-92B8-0F297A9450C3}"/>
+                <a16:creationId xmlns:a16="http://schemas.microsoft.com/office/drawing/2014/main" xmlns="" id="{A1936CEA-93D6-4DF6-92B8-0F297A9450C3}"/>
               </a:ext>
             </a:extLst>
           </p:cNvPr>
